--- a/PPT/01-函数进阶（目标）.pptx
+++ b/PPT/01-函数进阶（目标）.pptx
@@ -5,13 +5,14 @@
     <p:sldMasterId id="2147483648" r:id="rId1"/>
   </p:sldMasterIdLst>
   <p:notesMasterIdLst>
-    <p:notesMasterId r:id="rId6"/>
+    <p:notesMasterId r:id="rId4"/>
   </p:notesMasterIdLst>
   <p:sldIdLst>
-    <p:sldId id="261" r:id="rId2"/>
-    <p:sldId id="352" r:id="rId3"/>
-    <p:sldId id="649" r:id="rId4"/>
-    <p:sldId id="262" r:id="rId5"/>
+    <p:sldId id="261" r:id="rId3"/>
+    <p:sldId id="352" r:id="rId5"/>
+    <p:sldId id="649" r:id="rId6"/>
+    <p:sldId id="262" r:id="rId7"/>
+    <p:sldId id="651" r:id="rId8"/>
   </p:sldIdLst>
   <p:sldSz cx="9144000" cy="5143500" type="screen16x9"/>
   <p:notesSz cx="6858000" cy="9144000"/>
@@ -110,25 +111,6 @@
       </a:defRPr>
     </a:lvl9pPr>
   </p:defaultTextStyle>
-  <p:extLst>
-    <p:ext uri="{EFAFB233-063F-42B5-8137-9DF3F51BA10A}">
-      <p15:sldGuideLst xmlns:p15="http://schemas.microsoft.com/office/powerpoint/2012/main">
-        <p15:guide id="1" orient="horz" pos="1621">
-          <p15:clr>
-            <a:srgbClr val="A4A3A4"/>
-          </p15:clr>
-        </p15:guide>
-        <p15:guide id="2" pos="2880">
-          <p15:clr>
-            <a:srgbClr val="A4A3A4"/>
-          </p15:clr>
-        </p15:guide>
-      </p15:sldGuideLst>
-    </p:ext>
-    <p:ext uri="{2D200454-40CA-4A62-9FC3-DE9A4176ACB9}">
-      <p15:notesGuideLst xmlns:p15="http://schemas.microsoft.com/office/powerpoint/2012/main"/>
-    </p:ext>
-  </p:extLst>
 </p:presentation>
 </file>
 
@@ -220,7 +202,6 @@
           <a:p>
             <a:fld id="{E564E70D-C232-4356-A7F8-0AFEA0DE3F28}" type="datetimeFigureOut">
               <a:rPr lang="zh-CN" altLang="en-US" smtClean="0"/>
-              <a:t>2019/4/3</a:t>
             </a:fld>
             <a:endParaRPr lang="zh-CN" altLang="en-US"/>
           </a:p>
@@ -287,6 +268,7 @@
               <a:rPr lang="zh-CN" altLang="en-US"/>
               <a:t>编辑母版文本样式</a:t>
             </a:r>
+            <a:endParaRPr lang="zh-CN" altLang="en-US"/>
           </a:p>
           <a:p>
             <a:pPr lvl="1"/>
@@ -294,6 +276,7 @@
               <a:rPr lang="zh-CN" altLang="en-US"/>
               <a:t>第二级</a:t>
             </a:r>
+            <a:endParaRPr lang="zh-CN" altLang="en-US"/>
           </a:p>
           <a:p>
             <a:pPr lvl="2"/>
@@ -301,6 +284,7 @@
               <a:rPr lang="zh-CN" altLang="en-US"/>
               <a:t>第三级</a:t>
             </a:r>
+            <a:endParaRPr lang="zh-CN" altLang="en-US"/>
           </a:p>
           <a:p>
             <a:pPr lvl="3"/>
@@ -308,6 +292,7 @@
               <a:rPr lang="zh-CN" altLang="en-US"/>
               <a:t>第四级</a:t>
             </a:r>
+            <a:endParaRPr lang="zh-CN" altLang="en-US"/>
           </a:p>
           <a:p>
             <a:pPr lvl="4"/>
@@ -315,6 +300,7 @@
               <a:rPr lang="zh-CN" altLang="en-US"/>
               <a:t>第五级</a:t>
             </a:r>
+            <a:endParaRPr lang="zh-CN" altLang="en-US"/>
           </a:p>
         </p:txBody>
       </p:sp>
@@ -378,18 +364,12 @@
           <a:p>
             <a:fld id="{C23ABF34-43AD-46C7-9AC8-FDA89E9FD9BE}" type="slidenum">
               <a:rPr lang="zh-CN" altLang="en-US" smtClean="0"/>
-              <a:t>‹#›</a:t>
             </a:fld>
             <a:endParaRPr lang="zh-CN" altLang="en-US"/>
           </a:p>
         </p:txBody>
       </p:sp>
     </p:spTree>
-    <p:extLst>
-      <p:ext uri="{BB962C8B-B14F-4D97-AF65-F5344CB8AC3E}">
-        <p14:creationId xmlns:p14="http://schemas.microsoft.com/office/powerpoint/2010/main" val="339665979"/>
-      </p:ext>
-    </p:extLst>
   </p:cSld>
   <p:clrMap bg1="lt1" tx1="dk1" bg2="lt2" tx2="dk2" accent1="accent1" accent2="accent2" accent3="accent3" accent4="accent4" accent5="accent5" accent6="accent6" hlink="hlink" folHlink="folHlink"/>
   <p:notesStyle>
@@ -552,18 +532,12 @@
           <a:p>
             <a:fld id="{C23ABF34-43AD-46C7-9AC8-FDA89E9FD9BE}" type="slidenum">
               <a:rPr lang="zh-CN" altLang="en-US" smtClean="0"/>
-              <a:t>1</a:t>
             </a:fld>
             <a:endParaRPr lang="zh-CN" altLang="en-US"/>
           </a:p>
         </p:txBody>
       </p:sp>
     </p:spTree>
-    <p:extLst>
-      <p:ext uri="{BB962C8B-B14F-4D97-AF65-F5344CB8AC3E}">
-        <p14:creationId xmlns:p14="http://schemas.microsoft.com/office/powerpoint/2010/main" val="528170242"/>
-      </p:ext>
-    </p:extLst>
   </p:cSld>
   <p:clrMapOvr>
     <a:masterClrMapping/>
@@ -2868,6 +2842,7 @@
               <a:rPr kumimoji="1" lang="zh-CN" altLang="en-US"/>
               <a:t>单击此处编辑母版标题样式</a:t>
             </a:r>
+            <a:endParaRPr kumimoji="1" lang="zh-CN" altLang="en-US"/>
           </a:p>
         </p:txBody>
       </p:sp>
@@ -2937,6 +2912,7 @@
               <a:rPr kumimoji="1" lang="zh-CN" altLang="en-US"/>
               <a:t>单击此处编辑母版副标题样式</a:t>
             </a:r>
+            <a:endParaRPr kumimoji="1" lang="zh-CN" altLang="en-US"/>
           </a:p>
         </p:txBody>
       </p:sp>
@@ -2957,7 +2933,6 @@
           <a:p>
             <a:fld id="{59C60F8F-4E1E-ED4E-893F-DC034FAFF654}" type="datetimeFigureOut">
               <a:rPr lang="zh-CN" altLang="en-US"/>
-              <a:t>2019/4/3</a:t>
             </a:fld>
             <a:endParaRPr kumimoji="1" lang="zh-CN" altLang="en-US"/>
           </a:p>
@@ -2999,7 +2974,6 @@
           <a:p>
             <a:fld id="{8DA768C9-4B7F-1440-B58A-1973EF2CC51E}" type="slidenum">
               <a:rPr/>
-              <a:t>‹#›</a:t>
             </a:fld>
             <a:endParaRPr kumimoji="1" lang="zh-CN" altLang="en-US"/>
           </a:p>
@@ -3047,7 +3021,6 @@
           <a:p>
             <a:fld id="{F31F57E1-EBC0-524C-9B6C-A0200F23BED1}" type="datetimeFigureOut">
               <a:rPr lang="zh-CN" altLang="en-US"/>
-              <a:t>2019/4/3</a:t>
             </a:fld>
             <a:endParaRPr kumimoji="1" lang="zh-CN" altLang="en-US"/>
           </a:p>
@@ -3089,7 +3062,6 @@
           <a:p>
             <a:fld id="{837E4949-EF32-944B-A077-7870FB0FF53D}" type="slidenum">
               <a:rPr/>
-              <a:t>‹#›</a:t>
             </a:fld>
             <a:endParaRPr kumimoji="1" lang="zh-CN" altLang="en-US"/>
           </a:p>
@@ -3837,7 +3809,6 @@
           <a:p>
             <a:fld id="{F31F57E1-EBC0-524C-9B6C-A0200F23BED1}" type="datetimeFigureOut">
               <a:rPr lang="zh-CN" altLang="en-US"/>
-              <a:t>2019/4/3</a:t>
             </a:fld>
             <a:endParaRPr kumimoji="1" lang="zh-CN" altLang="en-US"/>
           </a:p>
@@ -3879,7 +3850,6 @@
           <a:p>
             <a:fld id="{837E4949-EF32-944B-A077-7870FB0FF53D}" type="slidenum">
               <a:rPr/>
-              <a:t>‹#›</a:t>
             </a:fld>
             <a:endParaRPr kumimoji="1" lang="zh-CN" altLang="en-US"/>
           </a:p>
@@ -4744,7 +4714,6 @@
           <a:p>
             <a:fld id="{59C60F8F-4E1E-ED4E-893F-DC034FAFF654}" type="datetimeFigureOut">
               <a:rPr lang="zh-CN" altLang="en-US"/>
-              <a:t>2019/4/3</a:t>
             </a:fld>
             <a:endParaRPr kumimoji="1" lang="zh-CN" altLang="en-US"/>
           </a:p>
@@ -4786,7 +4755,6 @@
           <a:p>
             <a:fld id="{8DA768C9-4B7F-1440-B58A-1973EF2CC51E}" type="slidenum">
               <a:rPr/>
-              <a:t>‹#›</a:t>
             </a:fld>
             <a:endParaRPr kumimoji="1" lang="zh-CN" altLang="en-US"/>
           </a:p>
@@ -4945,6 +4913,94 @@
 </p:sldLayout>
 </file>
 
+<file path=ppt/slideLayouts/slideLayout13.xml><?xml version="1.0" encoding="utf-8"?>
+<p:sldLayout xmlns:a="http://schemas.openxmlformats.org/drawingml/2006/main" xmlns:r="http://schemas.openxmlformats.org/officeDocument/2006/relationships" xmlns:p="http://schemas.openxmlformats.org/presentationml/2006/main" type="blank" preserve="1">
+  <p:cSld name="空白">
+    <p:spTree>
+      <p:nvGrpSpPr>
+        <p:cNvPr id="1" name=""/>
+        <p:cNvGrpSpPr/>
+        <p:nvPr/>
+      </p:nvGrpSpPr>
+      <p:grpSpPr>
+        <a:xfrm>
+          <a:off x="0" y="0"/>
+          <a:ext cx="0" cy="0"/>
+          <a:chOff x="0" y="0"/>
+          <a:chExt cx="0" cy="0"/>
+        </a:xfrm>
+      </p:grpSpPr>
+      <p:sp>
+        <p:nvSpPr>
+          <p:cNvPr id="2" name="日期占位符 1"/>
+          <p:cNvSpPr>
+            <a:spLocks noGrp="1"/>
+          </p:cNvSpPr>
+          <p:nvPr>
+            <p:ph type="dt" sz="half" idx="10"/>
+          </p:nvPr>
+        </p:nvSpPr>
+        <p:spPr/>
+        <p:txBody>
+          <a:bodyPr/>
+          <a:lstStyle/>
+          <a:p>
+            <a:fld id="{F31F57E1-EBC0-524C-9B6C-A0200F23BED1}" type="datetimeFigureOut">
+              <a:rPr lang="zh-CN" altLang="en-US"/>
+            </a:fld>
+            <a:endParaRPr kumimoji="1" lang="zh-CN" altLang="en-US"/>
+          </a:p>
+        </p:txBody>
+      </p:sp>
+      <p:sp>
+        <p:nvSpPr>
+          <p:cNvPr id="3" name="页脚占位符 2"/>
+          <p:cNvSpPr>
+            <a:spLocks noGrp="1"/>
+          </p:cNvSpPr>
+          <p:nvPr>
+            <p:ph type="ftr" sz="quarter" idx="11"/>
+          </p:nvPr>
+        </p:nvSpPr>
+        <p:spPr/>
+        <p:txBody>
+          <a:bodyPr/>
+          <a:lstStyle/>
+          <a:p>
+            <a:endParaRPr kumimoji="1" lang="zh-CN" altLang="en-US"/>
+          </a:p>
+        </p:txBody>
+      </p:sp>
+      <p:sp>
+        <p:nvSpPr>
+          <p:cNvPr id="4" name="灯片编号占位符 3"/>
+          <p:cNvSpPr>
+            <a:spLocks noGrp="1"/>
+          </p:cNvSpPr>
+          <p:nvPr>
+            <p:ph type="sldNum" sz="quarter" idx="12"/>
+          </p:nvPr>
+        </p:nvSpPr>
+        <p:spPr/>
+        <p:txBody>
+          <a:bodyPr/>
+          <a:lstStyle/>
+          <a:p>
+            <a:fld id="{837E4949-EF32-944B-A077-7870FB0FF53D}" type="slidenum">
+              <a:rPr/>
+            </a:fld>
+            <a:endParaRPr kumimoji="1" lang="zh-CN" altLang="en-US"/>
+          </a:p>
+        </p:txBody>
+      </p:sp>
+    </p:spTree>
+  </p:cSld>
+  <p:clrMapOvr>
+    <a:masterClrMapping/>
+  </p:clrMapOvr>
+</p:sldLayout>
+</file>
+
 <file path=ppt/slideLayouts/slideLayout2.xml><?xml version="1.0" encoding="utf-8"?>
 <p:sldLayout xmlns:a="http://schemas.openxmlformats.org/drawingml/2006/main" xmlns:r="http://schemas.openxmlformats.org/officeDocument/2006/relationships" xmlns:p="http://schemas.openxmlformats.org/presentationml/2006/main" preserve="1" userDrawn="1">
   <p:cSld name="目录">
@@ -5017,6 +5073,7 @@
               <a:rPr lang="en-US" altLang="zh-CN"/>
               <a:t>14</a:t>
             </a:r>
+            <a:endParaRPr lang="en-US" altLang="zh-CN"/>
           </a:p>
           <a:p>
             <a:pPr lvl="0"/>
@@ -5028,6 +5085,7 @@
               <a:rPr lang="en-US" altLang="zh-CN"/>
               <a:t>14</a:t>
             </a:r>
+            <a:endParaRPr lang="en-US" altLang="zh-CN"/>
           </a:p>
           <a:p>
             <a:pPr lvl="0"/>
@@ -5057,7 +5115,6 @@
           <a:p>
             <a:fld id="{F31F57E1-EBC0-524C-9B6C-A0200F23BED1}" type="datetimeFigureOut">
               <a:rPr lang="zh-CN" altLang="en-US"/>
-              <a:t>2019/4/3</a:t>
             </a:fld>
             <a:endParaRPr kumimoji="1" lang="zh-CN" altLang="en-US"/>
           </a:p>
@@ -5099,7 +5156,6 @@
           <a:p>
             <a:fld id="{837E4949-EF32-944B-A077-7870FB0FF53D}" type="slidenum">
               <a:rPr/>
-              <a:t>‹#›</a:t>
             </a:fld>
             <a:endParaRPr kumimoji="1" lang="zh-CN" altLang="en-US"/>
           </a:p>
@@ -5159,7 +5215,7 @@
           </p:cNvSpPr>
           <p:nvPr userDrawn="1">
             <p:custDataLst>
-              <p:tags r:id="rId1"/>
+              <p:tags r:id="rId2"/>
             </p:custDataLst>
           </p:nvPr>
         </p:nvSpPr>
@@ -5319,6 +5375,13 @@
               </a:rPr>
               <a:t>Contents</a:t>
             </a:r>
+            <a:endParaRPr lang="en-US" altLang="zh-CN" sz="3600">
+              <a:solidFill>
+                <a:srgbClr val="FF0000"/>
+              </a:solidFill>
+              <a:latin typeface="微软雅黑" panose="020B0503020204020204" pitchFamily="34" charset="-122"/>
+              <a:ea typeface="微软雅黑" panose="020B0503020204020204" pitchFamily="34" charset="-122"/>
+            </a:endParaRPr>
           </a:p>
         </p:txBody>
       </p:sp>
@@ -5330,7 +5393,7 @@
           </p:cNvSpPr>
           <p:nvPr userDrawn="1">
             <p:custDataLst>
-              <p:tags r:id="rId2"/>
+              <p:tags r:id="rId3"/>
             </p:custDataLst>
           </p:nvPr>
         </p:nvSpPr>
@@ -5547,6 +5610,13 @@
               </a:rPr>
               <a:t>目</a:t>
             </a:r>
+            <a:endParaRPr lang="zh-CN" altLang="en-US" sz="4400" b="1" dirty="0">
+              <a:solidFill>
+                <a:srgbClr val="FFFFFF"/>
+              </a:solidFill>
+              <a:latin typeface="微软雅黑" panose="020B0503020204020204" pitchFamily="34" charset="-122"/>
+              <a:ea typeface="微软雅黑" panose="020B0503020204020204" pitchFamily="34" charset="-122"/>
+            </a:endParaRPr>
           </a:p>
         </p:txBody>
       </p:sp>
@@ -5558,7 +5628,7 @@
           </p:cNvSpPr>
           <p:nvPr userDrawn="1">
             <p:custDataLst>
-              <p:tags r:id="rId3"/>
+              <p:tags r:id="rId4"/>
             </p:custDataLst>
           </p:nvPr>
         </p:nvSpPr>
@@ -5791,6 +5861,21 @@
               </a:rPr>
               <a:t>录</a:t>
             </a:r>
+            <a:endParaRPr lang="zh-CN" altLang="en-US" sz="4400" b="1" dirty="0">
+              <a:ln w="3175">
+                <a:solidFill>
+                  <a:srgbClr val="FFFFFF"/>
+                </a:solidFill>
+              </a:ln>
+              <a:solidFill>
+                <a:schemeClr val="tx1">
+                  <a:lumMod val="85000"/>
+                  <a:lumOff val="15000"/>
+                </a:schemeClr>
+              </a:solidFill>
+              <a:latin typeface="微软雅黑" panose="020B0503020204020204" pitchFamily="34" charset="-122"/>
+              <a:ea typeface="微软雅黑" panose="020B0503020204020204" pitchFamily="34" charset="-122"/>
+            </a:endParaRPr>
           </a:p>
         </p:txBody>
       </p:sp>
@@ -5836,7 +5921,6 @@
           <a:p>
             <a:fld id="{F31F57E1-EBC0-524C-9B6C-A0200F23BED1}" type="datetimeFigureOut">
               <a:rPr lang="zh-CN" altLang="en-US"/>
-              <a:t>2019/4/3</a:t>
             </a:fld>
             <a:endParaRPr kumimoji="1" lang="zh-CN" altLang="en-US"/>
           </a:p>
@@ -5878,7 +5962,6 @@
           <a:p>
             <a:fld id="{837E4949-EF32-944B-A077-7870FB0FF53D}" type="slidenum">
               <a:rPr/>
-              <a:t>‹#›</a:t>
             </a:fld>
             <a:endParaRPr kumimoji="1" lang="zh-CN" altLang="en-US"/>
           </a:p>
@@ -6525,6 +6608,7 @@
               <a:rPr lang="en-US" altLang="zh-CN"/>
               <a:t>14</a:t>
             </a:r>
+            <a:endParaRPr lang="en-US" altLang="zh-CN"/>
           </a:p>
           <a:p>
             <a:pPr lvl="0"/>
@@ -6536,6 +6620,7 @@
               <a:rPr lang="en-US" altLang="zh-CN"/>
               <a:t>14</a:t>
             </a:r>
+            <a:endParaRPr lang="en-US" altLang="zh-CN"/>
           </a:p>
           <a:p>
             <a:pPr lvl="0"/>
@@ -6699,7 +6784,6 @@
           <a:p>
             <a:fld id="{F31F57E1-EBC0-524C-9B6C-A0200F23BED1}" type="datetimeFigureOut">
               <a:rPr lang="zh-CN" altLang="en-US"/>
-              <a:t>2019/4/3</a:t>
             </a:fld>
             <a:endParaRPr kumimoji="1" lang="zh-CN" altLang="en-US"/>
           </a:p>
@@ -6741,7 +6825,6 @@
           <a:p>
             <a:fld id="{837E4949-EF32-944B-A077-7870FB0FF53D}" type="slidenum">
               <a:rPr/>
-              <a:t>‹#›</a:t>
             </a:fld>
             <a:endParaRPr kumimoji="1" lang="zh-CN" altLang="en-US"/>
           </a:p>
@@ -6824,6 +6907,7 @@
               <a:rPr lang="zh-CN" altLang="en-US"/>
               <a:t>号。</a:t>
             </a:r>
+            <a:endParaRPr lang="zh-CN" altLang="en-US"/>
           </a:p>
           <a:p>
             <a:pPr lvl="0"/>
@@ -6888,6 +6972,7 @@
               <a:rPr lang="zh-CN" altLang="en-US"/>
               <a:t>单击此处编辑母版标题样式</a:t>
             </a:r>
+            <a:endParaRPr lang="zh-CN" altLang="en-US"/>
           </a:p>
         </p:txBody>
       </p:sp>
@@ -6908,7 +6993,6 @@
           <a:p>
             <a:fld id="{F31F57E1-EBC0-524C-9B6C-A0200F23BED1}" type="datetimeFigureOut">
               <a:rPr lang="en-US" altLang="zh-CN" smtClean="0"/>
-              <a:t>4/3/2019</a:t>
             </a:fld>
             <a:endParaRPr kumimoji="1" lang="zh-CN" altLang="en-US"/>
           </a:p>
@@ -6950,7 +7034,6 @@
           <a:p>
             <a:fld id="{837E4949-EF32-944B-A077-7870FB0FF53D}" type="slidenum">
               <a:rPr lang="en-US" altLang="zh-CN" smtClean="0"/>
-              <a:t>‹#›</a:t>
             </a:fld>
             <a:endParaRPr kumimoji="1" lang="zh-CN" altLang="en-US"/>
           </a:p>
@@ -7267,6 +7350,7 @@
               <a:rPr lang="zh-CN" altLang="en-US"/>
               <a:t>单击此处编辑母版标题样式</a:t>
             </a:r>
+            <a:endParaRPr lang="zh-CN" altLang="en-US"/>
           </a:p>
         </p:txBody>
       </p:sp>
@@ -7287,7 +7371,6 @@
           <a:p>
             <a:fld id="{F31F57E1-EBC0-524C-9B6C-A0200F23BED1}" type="datetimeFigureOut">
               <a:rPr lang="en-US" altLang="zh-CN" smtClean="0"/>
-              <a:t>4/3/2019</a:t>
             </a:fld>
             <a:endParaRPr kumimoji="1" lang="zh-CN" altLang="en-US"/>
           </a:p>
@@ -7329,7 +7412,6 @@
           <a:p>
             <a:fld id="{837E4949-EF32-944B-A077-7870FB0FF53D}" type="slidenum">
               <a:rPr lang="en-US" altLang="zh-CN" smtClean="0"/>
-              <a:t>‹#›</a:t>
             </a:fld>
             <a:endParaRPr kumimoji="1" lang="zh-CN" altLang="en-US"/>
           </a:p>
@@ -7858,6 +7940,7 @@
               <a:rPr lang="zh-CN" altLang="en-US"/>
               <a:t>号。</a:t>
             </a:r>
+            <a:endParaRPr lang="zh-CN" altLang="en-US"/>
           </a:p>
           <a:p>
             <a:pPr lvl="0"/>
@@ -7882,7 +7965,6 @@
           <a:p>
             <a:fld id="{F31F57E1-EBC0-524C-9B6C-A0200F23BED1}" type="datetimeFigureOut">
               <a:rPr lang="zh-CN" altLang="en-US"/>
-              <a:t>2019/4/3</a:t>
             </a:fld>
             <a:endParaRPr kumimoji="1" lang="zh-CN" altLang="en-US"/>
           </a:p>
@@ -7924,7 +8006,6 @@
           <a:p>
             <a:fld id="{837E4949-EF32-944B-A077-7870FB0FF53D}" type="slidenum">
               <a:rPr/>
-              <a:t>‹#›</a:t>
             </a:fld>
             <a:endParaRPr kumimoji="1" lang="zh-CN" altLang="en-US"/>
           </a:p>
@@ -8188,6 +8269,7 @@
               <a:rPr lang="zh-CN" altLang="en-US"/>
               <a:t>号。</a:t>
             </a:r>
+            <a:endParaRPr lang="zh-CN" altLang="en-US"/>
           </a:p>
           <a:p>
             <a:pPr lvl="0"/>
@@ -8338,7 +8420,6 @@
           <a:p>
             <a:fld id="{F31F57E1-EBC0-524C-9B6C-A0200F23BED1}" type="datetimeFigureOut">
               <a:rPr lang="zh-CN" altLang="en-US"/>
-              <a:t>2019/4/3</a:t>
             </a:fld>
             <a:endParaRPr kumimoji="1" lang="zh-CN" altLang="en-US"/>
           </a:p>
@@ -8380,7 +8461,6 @@
           <a:p>
             <a:fld id="{837E4949-EF32-944B-A077-7870FB0FF53D}" type="slidenum">
               <a:rPr/>
-              <a:t>‹#›</a:t>
             </a:fld>
             <a:endParaRPr kumimoji="1" lang="zh-CN" altLang="en-US"/>
           </a:p>
@@ -8793,7 +8873,6 @@
           <a:p>
             <a:fld id="{F31F57E1-EBC0-524C-9B6C-A0200F23BED1}" type="datetimeFigureOut">
               <a:rPr lang="zh-CN" altLang="en-US"/>
-              <a:t>2019/4/3</a:t>
             </a:fld>
             <a:endParaRPr kumimoji="1" lang="zh-CN" altLang="en-US"/>
           </a:p>
@@ -8835,7 +8914,6 @@
           <a:p>
             <a:fld id="{837E4949-EF32-944B-A077-7870FB0FF53D}" type="slidenum">
               <a:rPr/>
-              <a:t>‹#›</a:t>
             </a:fld>
             <a:endParaRPr kumimoji="1" lang="zh-CN" altLang="en-US"/>
           </a:p>
@@ -10178,7 +10256,6 @@
           <a:p>
             <a:fld id="{F31F57E1-EBC0-524C-9B6C-A0200F23BED1}" type="datetimeFigureOut">
               <a:rPr lang="zh-CN" altLang="en-US"/>
-              <a:t>2019/4/3</a:t>
             </a:fld>
             <a:endParaRPr kumimoji="1" lang="zh-CN" altLang="en-US"/>
           </a:p>
@@ -10256,7 +10333,6 @@
           <a:p>
             <a:fld id="{837E4949-EF32-944B-A077-7870FB0FF53D}" type="slidenum">
               <a:rPr/>
-              <a:t>‹#›</a:t>
             </a:fld>
             <a:endParaRPr kumimoji="1" lang="zh-CN" altLang="en-US"/>
           </a:p>
@@ -10278,6 +10354,7 @@
     <p:sldLayoutId id="2147483658" r:id="rId10"/>
     <p:sldLayoutId id="2147483659" r:id="rId11"/>
     <p:sldLayoutId id="2147483660" r:id="rId12"/>
+    <p:sldLayoutId id="2147483661" r:id="rId13"/>
   </p:sldLayoutIdLst>
   <p:txStyles>
     <p:titleStyle>
@@ -10598,6 +10675,7 @@
               <a:rPr kumimoji="1" lang="zh-CN" altLang="en-US" dirty="0"/>
               <a:t>函数进阶</a:t>
             </a:r>
+            <a:endParaRPr kumimoji="1" lang="zh-CN" altLang="en-US" dirty="0"/>
           </a:p>
         </p:txBody>
       </p:sp>
@@ -10895,6 +10973,17 @@
               </a:rPr>
               <a:t>能够说出函数的多种定义和调用方式</a:t>
             </a:r>
+            <a:endParaRPr kumimoji="0" sz="1400" kern="1200" cap="none" spc="0" normalizeH="0" baseline="0" noProof="0">
+              <a:solidFill>
+                <a:schemeClr val="tx1">
+                  <a:lumMod val="85000"/>
+                  <a:lumOff val="15000"/>
+                </a:schemeClr>
+              </a:solidFill>
+              <a:latin typeface="微软雅黑" panose="020B0503020204020204" pitchFamily="34" charset="-122"/>
+              <a:ea typeface="微软雅黑" panose="020B0503020204020204" pitchFamily="34" charset="-122"/>
+              <a:cs typeface="+mn-cs"/>
+            </a:endParaRPr>
           </a:p>
           <a:p>
             <a:pPr marL="171450" marR="0" indent="-171450" defTabSz="914400" fontAlgn="auto">
@@ -11139,6 +11228,17 @@
               </a:rPr>
               <a:t> 能够把函数作为参数和返回值传递</a:t>
             </a:r>
+            <a:endParaRPr kumimoji="0" sz="1400" kern="1200" cap="none" spc="0" normalizeH="0" baseline="0" noProof="0">
+              <a:solidFill>
+                <a:schemeClr val="tx1">
+                  <a:lumMod val="85000"/>
+                  <a:lumOff val="15000"/>
+                </a:schemeClr>
+              </a:solidFill>
+              <a:latin typeface="微软雅黑" panose="020B0503020204020204" pitchFamily="34" charset="-122"/>
+              <a:ea typeface="微软雅黑" panose="020B0503020204020204" pitchFamily="34" charset="-122"/>
+              <a:cs typeface="+mn-cs"/>
+            </a:endParaRPr>
           </a:p>
           <a:p>
             <a:pPr marL="171450" marR="0" indent="-171450" defTabSz="914400" fontAlgn="auto">
@@ -11176,6 +11276,17 @@
               </a:rPr>
               <a:t> 能够说出闭包的作用</a:t>
             </a:r>
+            <a:endParaRPr kumimoji="0" sz="1400" kern="1200" cap="none" spc="0" normalizeH="0" baseline="0" noProof="0">
+              <a:solidFill>
+                <a:schemeClr val="tx1">
+                  <a:lumMod val="85000"/>
+                  <a:lumOff val="15000"/>
+                </a:schemeClr>
+              </a:solidFill>
+              <a:latin typeface="微软雅黑" panose="020B0503020204020204" pitchFamily="34" charset="-122"/>
+              <a:ea typeface="微软雅黑" panose="020B0503020204020204" pitchFamily="34" charset="-122"/>
+              <a:cs typeface="+mn-cs"/>
+            </a:endParaRPr>
           </a:p>
           <a:p>
             <a:pPr marL="171450" marR="0" indent="-171450" defTabSz="914400" fontAlgn="auto">
@@ -11213,6 +11324,17 @@
               </a:rPr>
               <a:t> 能够说出递归的两个条件</a:t>
             </a:r>
+            <a:endParaRPr kumimoji="0" sz="1400" kern="1200" cap="none" spc="0" normalizeH="0" baseline="0" noProof="0">
+              <a:solidFill>
+                <a:schemeClr val="tx1">
+                  <a:lumMod val="85000"/>
+                  <a:lumOff val="15000"/>
+                </a:schemeClr>
+              </a:solidFill>
+              <a:latin typeface="微软雅黑" panose="020B0503020204020204" pitchFamily="34" charset="-122"/>
+              <a:ea typeface="微软雅黑" panose="020B0503020204020204" pitchFamily="34" charset="-122"/>
+              <a:cs typeface="+mn-cs"/>
+            </a:endParaRPr>
           </a:p>
           <a:p>
             <a:pPr marL="171450" marR="0" indent="-171450" defTabSz="914400" fontAlgn="auto">
@@ -11250,6 +11372,17 @@
               </a:rPr>
               <a:t> 能够说出深拷贝和浅拷贝的区别</a:t>
             </a:r>
+            <a:endParaRPr kumimoji="0" sz="1400" kern="1200" cap="none" spc="0" normalizeH="0" baseline="0" noProof="0">
+              <a:solidFill>
+                <a:schemeClr val="tx1">
+                  <a:lumMod val="85000"/>
+                  <a:lumOff val="15000"/>
+                </a:schemeClr>
+              </a:solidFill>
+              <a:latin typeface="微软雅黑" panose="020B0503020204020204" pitchFamily="34" charset="-122"/>
+              <a:ea typeface="微软雅黑" panose="020B0503020204020204" pitchFamily="34" charset="-122"/>
+              <a:cs typeface="+mn-cs"/>
+            </a:endParaRPr>
           </a:p>
         </p:txBody>
       </p:sp>
@@ -11855,6 +11988,12 @@
               </a:rPr>
               <a:t>this</a:t>
             </a:r>
+            <a:endParaRPr noProof="0" smtClean="0">
+              <a:solidFill>
+                <a:schemeClr val="tx1"/>
+              </a:solidFill>
+              <a:sym typeface="+mn-ea"/>
+            </a:endParaRPr>
           </a:p>
           <a:p>
             <a:r>
@@ -11866,6 +12005,12 @@
               </a:rPr>
               <a:t>严格模式</a:t>
             </a:r>
+            <a:endParaRPr noProof="0" smtClean="0">
+              <a:solidFill>
+                <a:schemeClr val="tx1"/>
+              </a:solidFill>
+              <a:sym typeface="+mn-ea"/>
+            </a:endParaRPr>
           </a:p>
           <a:p>
             <a:r>
@@ -11877,6 +12022,12 @@
               </a:rPr>
               <a:t>高阶函数</a:t>
             </a:r>
+            <a:endParaRPr noProof="0" smtClean="0">
+              <a:solidFill>
+                <a:schemeClr val="tx1"/>
+              </a:solidFill>
+              <a:sym typeface="+mn-ea"/>
+            </a:endParaRPr>
           </a:p>
           <a:p>
             <a:r>
@@ -11888,6 +12039,12 @@
               </a:rPr>
               <a:t>闭包</a:t>
             </a:r>
+            <a:endParaRPr noProof="0" smtClean="0">
+              <a:solidFill>
+                <a:schemeClr val="tx1"/>
+              </a:solidFill>
+              <a:sym typeface="+mn-ea"/>
+            </a:endParaRPr>
           </a:p>
           <a:p>
             <a:r>
@@ -11955,8 +12112,62 @@
 </p:sld>
 </file>
 
+<file path=ppt/slides/slide5.xml><?xml version="1.0" encoding="utf-8"?>
+<p:sld xmlns:a="http://schemas.openxmlformats.org/drawingml/2006/main" xmlns:r="http://schemas.openxmlformats.org/officeDocument/2006/relationships" xmlns:p="http://schemas.openxmlformats.org/presentationml/2006/main">
+  <p:cSld>
+    <p:spTree>
+      <p:nvGrpSpPr>
+        <p:cNvPr id="1" name=""/>
+        <p:cNvGrpSpPr/>
+        <p:nvPr/>
+      </p:nvGrpSpPr>
+      <p:grpSpPr/>
+      <p:sp>
+        <p:nvSpPr>
+          <p:cNvPr id="2" name="标题 1"/>
+          <p:cNvSpPr>
+            <a:spLocks noGrp="1"/>
+          </p:cNvSpPr>
+          <p:nvPr>
+            <p:ph type="ctrTitle"/>
+          </p:nvPr>
+        </p:nvSpPr>
+        <p:spPr/>
+        <p:txBody>
+          <a:bodyPr/>
+          <a:p>
+            <a:endParaRPr lang="zh-CN" altLang="en-US"/>
+          </a:p>
+        </p:txBody>
+      </p:sp>
+      <p:sp>
+        <p:nvSpPr>
+          <p:cNvPr id="3" name="副标题 2"/>
+          <p:cNvSpPr>
+            <a:spLocks noGrp="1"/>
+          </p:cNvSpPr>
+          <p:nvPr>
+            <p:ph type="subTitle" idx="1"/>
+          </p:nvPr>
+        </p:nvSpPr>
+        <p:spPr/>
+        <p:txBody>
+          <a:bodyPr/>
+          <a:p>
+            <a:endParaRPr lang="zh-CN" altLang="en-US"/>
+          </a:p>
+        </p:txBody>
+      </p:sp>
+    </p:spTree>
+  </p:cSld>
+  <p:clrMapOvr>
+    <a:masterClrMapping/>
+  </p:clrMapOvr>
+</p:sld>
+</file>
+
 <file path=ppt/tags/tag1.xml><?xml version="1.0" encoding="utf-8"?>
-<p:tagLst xmlns:a="http://schemas.openxmlformats.org/drawingml/2006/main" xmlns:r="http://schemas.openxmlformats.org/officeDocument/2006/relationships" xmlns:p="http://schemas.openxmlformats.org/presentationml/2006/main">
+<p:tagLst xmlns:p="http://schemas.openxmlformats.org/presentationml/2006/main">
   <p:tag name="MH" val="20180905155037"/>
   <p:tag name="MH_LIBRARY" val="CONTENTS"/>
   <p:tag name="MH_TYPE" val="OTHERS"/>
@@ -11965,7 +12176,7 @@
 </file>
 
 <file path=ppt/tags/tag2.xml><?xml version="1.0" encoding="utf-8"?>
-<p:tagLst xmlns:a="http://schemas.openxmlformats.org/drawingml/2006/main" xmlns:r="http://schemas.openxmlformats.org/officeDocument/2006/relationships" xmlns:p="http://schemas.openxmlformats.org/presentationml/2006/main">
+<p:tagLst xmlns:p="http://schemas.openxmlformats.org/presentationml/2006/main">
   <p:tag name="MH" val="20180905155037"/>
   <p:tag name="MH_LIBRARY" val="CONTENTS"/>
   <p:tag name="MH_TYPE" val="OTHERS"/>
@@ -11974,7 +12185,7 @@
 </file>
 
 <file path=ppt/tags/tag3.xml><?xml version="1.0" encoding="utf-8"?>
-<p:tagLst xmlns:a="http://schemas.openxmlformats.org/drawingml/2006/main" xmlns:r="http://schemas.openxmlformats.org/officeDocument/2006/relationships" xmlns:p="http://schemas.openxmlformats.org/presentationml/2006/main">
+<p:tagLst xmlns:p="http://schemas.openxmlformats.org/presentationml/2006/main">
   <p:tag name="MH" val="20180905155037"/>
   <p:tag name="MH_LIBRARY" val="CONTENTS"/>
   <p:tag name="MH_TYPE" val="OTHERS"/>
@@ -11983,7 +12194,7 @@
 </file>
 
 <file path=ppt/tags/tag4.xml><?xml version="1.0" encoding="utf-8"?>
-<p:tagLst xmlns:a="http://schemas.openxmlformats.org/drawingml/2006/main" xmlns:r="http://schemas.openxmlformats.org/officeDocument/2006/relationships" xmlns:p="http://schemas.openxmlformats.org/presentationml/2006/main">
+<p:tagLst xmlns:p="http://schemas.openxmlformats.org/presentationml/2006/main">
   <p:tag name="KSO_WM_SLIDE_MODEL_TYPE" val="cover"/>
 </p:tagLst>
 </file>
@@ -12239,8 +12450,6 @@
       </a:bgFillStyleLst>
     </a:fmtScheme>
   </a:themeElements>
-  <a:objectDefaults/>
-  <a:extraClrSchemeLst/>
   <a:extLst>
     <a:ext uri="{05A4C25C-085E-4340-85A3-A5531E510DB2}">
       <thm15:themeFamily xmlns:thm15="http://schemas.microsoft.com/office/thememl/2012/main" name="Office Theme" id="{62F939B6-93AF-4DB8-9C6B-D6C7DFDC589F}" vid="{4A3C46E8-61CC-4603-A589-7422A47A8E4A}"/>
@@ -12500,8 +12709,6 @@
       </a:bgFillStyleLst>
     </a:fmtScheme>
   </a:themeElements>
-  <a:objectDefaults/>
-  <a:extraClrSchemeLst/>
   <a:extLst>
     <a:ext uri="{05A4C25C-085E-4340-85A3-A5531E510DB2}">
       <thm15:themeFamily xmlns:thm15="http://schemas.microsoft.com/office/thememl/2012/main" name="Office Theme" id="{62F939B6-93AF-4DB8-9C6B-D6C7DFDC589F}" vid="{4A3C46E8-61CC-4603-A589-7422A47A8E4A}"/>

--- a/PPT/01-函数进阶（目标）.pptx
+++ b/PPT/01-函数进阶（目标）.pptx
@@ -9,10 +9,11 @@
   </p:notesMasterIdLst>
   <p:sldIdLst>
     <p:sldId id="261" r:id="rId3"/>
-    <p:sldId id="352" r:id="rId5"/>
-    <p:sldId id="649" r:id="rId6"/>
-    <p:sldId id="262" r:id="rId7"/>
-    <p:sldId id="651" r:id="rId8"/>
+    <p:sldId id="652" r:id="rId5"/>
+    <p:sldId id="352" r:id="rId6"/>
+    <p:sldId id="649" r:id="rId7"/>
+    <p:sldId id="262" r:id="rId8"/>
+    <p:sldId id="651" r:id="rId9"/>
   </p:sldIdLst>
   <p:sldSz cx="9144000" cy="5143500" type="screen16x9"/>
   <p:notesSz cx="6858000" cy="9144000"/>
@@ -10698,6 +10699,60 @@
 </file>
 
 <file path=ppt/slides/slide2.xml><?xml version="1.0" encoding="utf-8"?>
+<p:sld xmlns:a="http://schemas.openxmlformats.org/drawingml/2006/main" xmlns:r="http://schemas.openxmlformats.org/officeDocument/2006/relationships" xmlns:p="http://schemas.openxmlformats.org/presentationml/2006/main">
+  <p:cSld>
+    <p:spTree>
+      <p:nvGrpSpPr>
+        <p:cNvPr id="1" name=""/>
+        <p:cNvGrpSpPr/>
+        <p:nvPr/>
+      </p:nvGrpSpPr>
+      <p:grpSpPr/>
+      <p:sp>
+        <p:nvSpPr>
+          <p:cNvPr id="2" name="标题 1"/>
+          <p:cNvSpPr>
+            <a:spLocks noGrp="1"/>
+          </p:cNvSpPr>
+          <p:nvPr>
+            <p:ph type="ctrTitle"/>
+          </p:nvPr>
+        </p:nvSpPr>
+        <p:spPr/>
+        <p:txBody>
+          <a:bodyPr/>
+          <a:p>
+            <a:endParaRPr lang="zh-CN" altLang="en-US"/>
+          </a:p>
+        </p:txBody>
+      </p:sp>
+      <p:sp>
+        <p:nvSpPr>
+          <p:cNvPr id="3" name="副标题 2"/>
+          <p:cNvSpPr>
+            <a:spLocks noGrp="1"/>
+          </p:cNvSpPr>
+          <p:nvPr>
+            <p:ph type="subTitle" idx="1"/>
+          </p:nvPr>
+        </p:nvSpPr>
+        <p:spPr/>
+        <p:txBody>
+          <a:bodyPr/>
+          <a:p>
+            <a:endParaRPr lang="zh-CN" altLang="en-US"/>
+          </a:p>
+        </p:txBody>
+      </p:sp>
+    </p:spTree>
+  </p:cSld>
+  <p:clrMapOvr>
+    <a:masterClrMapping/>
+  </p:clrMapOvr>
+</p:sld>
+</file>
+
+<file path=ppt/slides/slide3.xml><?xml version="1.0" encoding="utf-8"?>
 <p:sld xmlns:a="http://schemas.openxmlformats.org/drawingml/2006/main" xmlns:r="http://schemas.openxmlformats.org/officeDocument/2006/relationships" xmlns:p="http://schemas.openxmlformats.org/presentationml/2006/main" showMasterSp="0">
   <p:cSld>
     <p:spTree>
@@ -11923,7 +11978,7 @@
 </p:sld>
 </file>
 
-<file path=ppt/slides/slide3.xml><?xml version="1.0" encoding="utf-8"?>
+<file path=ppt/slides/slide4.xml><?xml version="1.0" encoding="utf-8"?>
 <p:sld xmlns:a="http://schemas.openxmlformats.org/drawingml/2006/main" xmlns:r="http://schemas.openxmlformats.org/officeDocument/2006/relationships" xmlns:p="http://schemas.openxmlformats.org/presentationml/2006/main">
   <p:cSld>
     <p:spTree>
@@ -12080,7 +12135,7 @@
 </p:sld>
 </file>
 
-<file path=ppt/slides/slide4.xml><?xml version="1.0" encoding="utf-8"?>
+<file path=ppt/slides/slide5.xml><?xml version="1.0" encoding="utf-8"?>
 <p:sld xmlns:a="http://schemas.openxmlformats.org/drawingml/2006/main" xmlns:r="http://schemas.openxmlformats.org/officeDocument/2006/relationships" xmlns:p="http://schemas.openxmlformats.org/presentationml/2006/main">
   <p:cSld>
     <p:spTree>
@@ -12112,7 +12167,7 @@
 </p:sld>
 </file>
 
-<file path=ppt/slides/slide5.xml><?xml version="1.0" encoding="utf-8"?>
+<file path=ppt/slides/slide6.xml><?xml version="1.0" encoding="utf-8"?>
 <p:sld xmlns:a="http://schemas.openxmlformats.org/drawingml/2006/main" xmlns:r="http://schemas.openxmlformats.org/officeDocument/2006/relationships" xmlns:p="http://schemas.openxmlformats.org/presentationml/2006/main">
   <p:cSld>
     <p:spTree>

--- a/PPT/01-函数进阶（目标）.pptx
+++ b/PPT/01-函数进阶（目标）.pptx
@@ -9,10 +9,10 @@
   </p:notesMasterIdLst>
   <p:sldIdLst>
     <p:sldId id="261" r:id="rId3"/>
-    <p:sldId id="652" r:id="rId5"/>
-    <p:sldId id="352" r:id="rId6"/>
-    <p:sldId id="649" r:id="rId7"/>
-    <p:sldId id="262" r:id="rId8"/>
+    <p:sldId id="352" r:id="rId5"/>
+    <p:sldId id="649" r:id="rId6"/>
+    <p:sldId id="262" r:id="rId7"/>
+    <p:sldId id="652" r:id="rId8"/>
     <p:sldId id="651" r:id="rId9"/>
   </p:sldIdLst>
   <p:sldSz cx="9144000" cy="5143500" type="screen16x9"/>
@@ -10699,60 +10699,6 @@
 </file>
 
 <file path=ppt/slides/slide2.xml><?xml version="1.0" encoding="utf-8"?>
-<p:sld xmlns:a="http://schemas.openxmlformats.org/drawingml/2006/main" xmlns:r="http://schemas.openxmlformats.org/officeDocument/2006/relationships" xmlns:p="http://schemas.openxmlformats.org/presentationml/2006/main">
-  <p:cSld>
-    <p:spTree>
-      <p:nvGrpSpPr>
-        <p:cNvPr id="1" name=""/>
-        <p:cNvGrpSpPr/>
-        <p:nvPr/>
-      </p:nvGrpSpPr>
-      <p:grpSpPr/>
-      <p:sp>
-        <p:nvSpPr>
-          <p:cNvPr id="2" name="标题 1"/>
-          <p:cNvSpPr>
-            <a:spLocks noGrp="1"/>
-          </p:cNvSpPr>
-          <p:nvPr>
-            <p:ph type="ctrTitle"/>
-          </p:nvPr>
-        </p:nvSpPr>
-        <p:spPr/>
-        <p:txBody>
-          <a:bodyPr/>
-          <a:p>
-            <a:endParaRPr lang="zh-CN" altLang="en-US"/>
-          </a:p>
-        </p:txBody>
-      </p:sp>
-      <p:sp>
-        <p:nvSpPr>
-          <p:cNvPr id="3" name="副标题 2"/>
-          <p:cNvSpPr>
-            <a:spLocks noGrp="1"/>
-          </p:cNvSpPr>
-          <p:nvPr>
-            <p:ph type="subTitle" idx="1"/>
-          </p:nvPr>
-        </p:nvSpPr>
-        <p:spPr/>
-        <p:txBody>
-          <a:bodyPr/>
-          <a:p>
-            <a:endParaRPr lang="zh-CN" altLang="en-US"/>
-          </a:p>
-        </p:txBody>
-      </p:sp>
-    </p:spTree>
-  </p:cSld>
-  <p:clrMapOvr>
-    <a:masterClrMapping/>
-  </p:clrMapOvr>
-</p:sld>
-</file>
-
-<file path=ppt/slides/slide3.xml><?xml version="1.0" encoding="utf-8"?>
 <p:sld xmlns:a="http://schemas.openxmlformats.org/drawingml/2006/main" xmlns:r="http://schemas.openxmlformats.org/officeDocument/2006/relationships" xmlns:p="http://schemas.openxmlformats.org/presentationml/2006/main" showMasterSp="0">
   <p:cSld>
     <p:spTree>
@@ -11978,7 +11924,7 @@
 </p:sld>
 </file>
 
-<file path=ppt/slides/slide4.xml><?xml version="1.0" encoding="utf-8"?>
+<file path=ppt/slides/slide3.xml><?xml version="1.0" encoding="utf-8"?>
 <p:sld xmlns:a="http://schemas.openxmlformats.org/drawingml/2006/main" xmlns:r="http://schemas.openxmlformats.org/officeDocument/2006/relationships" xmlns:p="http://schemas.openxmlformats.org/presentationml/2006/main">
   <p:cSld>
     <p:spTree>
@@ -12135,7 +12081,7 @@
 </p:sld>
 </file>
 
-<file path=ppt/slides/slide5.xml><?xml version="1.0" encoding="utf-8"?>
+<file path=ppt/slides/slide4.xml><?xml version="1.0" encoding="utf-8"?>
 <p:sld xmlns:a="http://schemas.openxmlformats.org/drawingml/2006/main" xmlns:r="http://schemas.openxmlformats.org/officeDocument/2006/relationships" xmlns:p="http://schemas.openxmlformats.org/presentationml/2006/main">
   <p:cSld>
     <p:spTree>
@@ -12164,6 +12110,60 @@
       </p:par>
     </p:tnLst>
   </p:timing>
+</p:sld>
+</file>
+
+<file path=ppt/slides/slide5.xml><?xml version="1.0" encoding="utf-8"?>
+<p:sld xmlns:a="http://schemas.openxmlformats.org/drawingml/2006/main" xmlns:r="http://schemas.openxmlformats.org/officeDocument/2006/relationships" xmlns:p="http://schemas.openxmlformats.org/presentationml/2006/main">
+  <p:cSld>
+    <p:spTree>
+      <p:nvGrpSpPr>
+        <p:cNvPr id="1" name=""/>
+        <p:cNvGrpSpPr/>
+        <p:nvPr/>
+      </p:nvGrpSpPr>
+      <p:grpSpPr/>
+      <p:sp>
+        <p:nvSpPr>
+          <p:cNvPr id="2" name="标题 1"/>
+          <p:cNvSpPr>
+            <a:spLocks noGrp="1"/>
+          </p:cNvSpPr>
+          <p:nvPr>
+            <p:ph type="ctrTitle"/>
+          </p:nvPr>
+        </p:nvSpPr>
+        <p:spPr/>
+        <p:txBody>
+          <a:bodyPr/>
+          <a:p>
+            <a:endParaRPr lang="zh-CN" altLang="en-US"/>
+          </a:p>
+        </p:txBody>
+      </p:sp>
+      <p:sp>
+        <p:nvSpPr>
+          <p:cNvPr id="3" name="副标题 2"/>
+          <p:cNvSpPr>
+            <a:spLocks noGrp="1"/>
+          </p:cNvSpPr>
+          <p:nvPr>
+            <p:ph type="subTitle" idx="1"/>
+          </p:nvPr>
+        </p:nvSpPr>
+        <p:spPr/>
+        <p:txBody>
+          <a:bodyPr/>
+          <a:p>
+            <a:endParaRPr lang="zh-CN" altLang="en-US"/>
+          </a:p>
+        </p:txBody>
+      </p:sp>
+    </p:spTree>
+  </p:cSld>
+  <p:clrMapOvr>
+    <a:masterClrMapping/>
+  </p:clrMapOvr>
 </p:sld>
 </file>
 
